--- a/solution/IUM/personas_e_journey/personas_journey.pptx
+++ b/solution/IUM/personas_e_journey/personas_journey.pptx
@@ -6239,7 +6239,7 @@
         <p:spPr>
           <a:xfrm>
             <a:off x="7048454" y="2271750"/>
-            <a:ext cx="1671600" cy="861031"/>
+            <a:ext cx="1671600" cy="1816071"/>
           </a:xfrm>
           <a:prstGeom prst="rect">
             <a:avLst/>
@@ -6258,25 +6258,6 @@
             <a:spAutoFit/>
           </a:bodyPr>
           <a:lstStyle/>
-          <a:p>
-            <a:pPr>
-              <a:lnSpc>
-                <a:spcPct val="115000"/>
-              </a:lnSpc>
-              <a:defRPr sz="1000">
-                <a:solidFill>
-                  <a:srgbClr val="434343"/>
-                </a:solidFill>
-                <a:latin typeface="Titillium Web"/>
-                <a:ea typeface="Titillium Web"/>
-                <a:cs typeface="Titillium Web"/>
-                <a:sym typeface="Titillium Web"/>
-              </a:defRPr>
-            </a:pPr>
-            <a:r>
-              <a:t>[Quali ostacoli affronta]</a:t>
-            </a:r>
-          </a:p>
           <a:p>
             <a:pPr marL="100799" indent="-113898">
               <a:lnSpc>
@@ -6302,54 +6283,8 @@
               </a:defRPr>
             </a:pPr>
             <a:r>
-              <a:t>Trovare dati facilmente interpretabili e comparabili. </a:t>
-            </a:r>
-          </a:p>
-        </p:txBody>
-      </p:sp>
-      <p:sp>
-        <p:nvSpPr>
-          <p:cNvPr id="245" name="Google Shape;165;p28"/>
-          <p:cNvSpPr txBox="1"/>
-          <p:nvPr/>
-        </p:nvSpPr>
-        <p:spPr>
-          <a:xfrm>
-            <a:off x="5314977" y="1548820"/>
-            <a:ext cx="1671600" cy="1290291"/>
-          </a:xfrm>
-          <a:prstGeom prst="rect">
-            <a:avLst/>
-          </a:prstGeom>
-          <a:ln w="12700">
-            <a:miter lim="400000"/>
-          </a:ln>
-          <a:extLst>
-            <a:ext uri="{C572A759-6A51-4108-AA02-DFA0A04FC94B}">
-              <ma14:wrappingTextBoxFlag xmlns:ma14="http://schemas.microsoft.com/office/mac/drawingml/2011/main" val="1"/>
-            </a:ext>
-          </a:extLst>
-        </p:spPr>
-        <p:txBody>
-          <a:bodyPr lIns="91424" tIns="91424" rIns="91424" bIns="91424">
-            <a:spAutoFit/>
-          </a:bodyPr>
-          <a:lstStyle/>
-          <a:p>
-            <a:pPr>
-              <a:lnSpc>
-                <a:spcPct val="115000"/>
-              </a:lnSpc>
-              <a:defRPr sz="1000">
-                <a:solidFill>
-                  <a:srgbClr val="434343"/>
-                </a:solidFill>
-                <a:latin typeface="Titillium Web"/>
-                <a:ea typeface="Titillium Web"/>
-                <a:cs typeface="Titillium Web"/>
-                <a:sym typeface="Titillium Web"/>
-              </a:defRPr>
-            </a:pPr>
+              <a:t>Trovare dati facilmente interpretabili e comparabili.</a:t>
+            </a:r>
           </a:p>
           <a:p>
             <a:pPr marL="100799" indent="-113898">
@@ -6376,7 +6311,137 @@
               </a:defRPr>
             </a:pPr>
             <a:r>
-              <a:t> Statistiche dettagliate e aggiornate </a:t>
+              <a:t>Mancanza di dati storici per comparare le prestazioni nel tempo.</a:t>
+            </a:r>
+          </a:p>
+        </p:txBody>
+      </p:sp>
+      <p:sp>
+        <p:nvSpPr>
+          <p:cNvPr id="245" name="Google Shape;165;p28"/>
+          <p:cNvSpPr txBox="1"/>
+          <p:nvPr/>
+        </p:nvSpPr>
+        <p:spPr>
+          <a:xfrm>
+            <a:off x="5314977" y="1548820"/>
+            <a:ext cx="1671600" cy="3121631"/>
+          </a:xfrm>
+          <a:prstGeom prst="rect">
+            <a:avLst/>
+          </a:prstGeom>
+          <a:ln w="12700">
+            <a:miter lim="400000"/>
+          </a:ln>
+          <a:extLst>
+            <a:ext uri="{C572A759-6A51-4108-AA02-DFA0A04FC94B}">
+              <ma14:wrappingTextBoxFlag xmlns:ma14="http://schemas.microsoft.com/office/mac/drawingml/2011/main" val="1"/>
+            </a:ext>
+          </a:extLst>
+        </p:spPr>
+        <p:txBody>
+          <a:bodyPr lIns="91424" tIns="91424" rIns="91424" bIns="91424">
+            <a:spAutoFit/>
+          </a:bodyPr>
+          <a:lstStyle/>
+          <a:p>
+            <a:pPr>
+              <a:lnSpc>
+                <a:spcPct val="115000"/>
+              </a:lnSpc>
+              <a:defRPr sz="1000">
+                <a:solidFill>
+                  <a:srgbClr val="434343"/>
+                </a:solidFill>
+                <a:latin typeface="Titillium Web"/>
+                <a:ea typeface="Titillium Web"/>
+                <a:cs typeface="Titillium Web"/>
+                <a:sym typeface="Titillium Web"/>
+              </a:defRPr>
+            </a:pPr>
+          </a:p>
+          <a:p>
+            <a:pPr marL="100799" indent="-113898">
+              <a:lnSpc>
+                <a:spcPct val="115000"/>
+              </a:lnSpc>
+              <a:spcBef>
+                <a:spcPts val="1000"/>
+              </a:spcBef>
+              <a:buClr>
+                <a:srgbClr val="434343"/>
+              </a:buClr>
+              <a:buSzPts val="1000"/>
+              <a:buFont typeface="Helvetica"/>
+              <a:buChar char="●"/>
+              <a:defRPr b="1" sz="1000">
+                <a:solidFill>
+                  <a:srgbClr val="434343"/>
+                </a:solidFill>
+                <a:latin typeface="Titillium Web"/>
+                <a:ea typeface="Titillium Web"/>
+                <a:cs typeface="Titillium Web"/>
+                <a:sym typeface="Titillium Web"/>
+              </a:defRPr>
+            </a:pPr>
+            <a:r>
+              <a:t> Statistiche dettagliate e aggiornate</a:t>
+            </a:r>
+          </a:p>
+          <a:p>
+            <a:pPr marL="100799" indent="-113898">
+              <a:lnSpc>
+                <a:spcPct val="115000"/>
+              </a:lnSpc>
+              <a:spcBef>
+                <a:spcPts val="1000"/>
+              </a:spcBef>
+              <a:buClr>
+                <a:srgbClr val="434343"/>
+              </a:buClr>
+              <a:buSzPts val="1000"/>
+              <a:buFont typeface="Helvetica"/>
+              <a:buChar char="●"/>
+              <a:defRPr b="1" sz="1000">
+                <a:solidFill>
+                  <a:srgbClr val="434343"/>
+                </a:solidFill>
+                <a:latin typeface="Titillium Web"/>
+                <a:ea typeface="Titillium Web"/>
+                <a:cs typeface="Titillium Web"/>
+                <a:sym typeface="Titillium Web"/>
+              </a:defRPr>
+            </a:pPr>
+            <a:r>
+              <a:t>Confronti diretti e storici tra giocatori e squadre per analisi comparative.</a:t>
+            </a:r>
+          </a:p>
+          <a:p>
+            <a:pPr marL="100799" indent="-113898">
+              <a:lnSpc>
+                <a:spcPct val="115000"/>
+              </a:lnSpc>
+              <a:spcBef>
+                <a:spcPts val="1000"/>
+              </a:spcBef>
+              <a:buClr>
+                <a:srgbClr val="434343"/>
+              </a:buClr>
+              <a:buSzPts val="1000"/>
+              <a:buFont typeface="Helvetica"/>
+              <a:buChar char="●"/>
+              <a:defRPr b="1" sz="1000">
+                <a:solidFill>
+                  <a:srgbClr val="434343"/>
+                </a:solidFill>
+                <a:latin typeface="Titillium Web"/>
+                <a:ea typeface="Titillium Web"/>
+                <a:cs typeface="Titillium Web"/>
+                <a:sym typeface="Titillium Web"/>
+              </a:defRPr>
+            </a:pPr>
+            <a:r>
+              <a:t>Strumenti per creare personalmente delle analisi avanzate basate su set di dati esistenti.</a:t>
             </a:r>
           </a:p>
           <a:p>
@@ -7927,7 +7992,7 @@
         </p:nvSpPr>
         <p:spPr>
           <a:xfrm>
-            <a:off x="5359977" y="1374845"/>
+            <a:off x="5491310" y="1481351"/>
             <a:ext cx="1581601" cy="347951"/>
           </a:xfrm>
           <a:prstGeom prst="rect">
@@ -8080,7 +8145,7 @@
         </p:nvSpPr>
         <p:spPr>
           <a:xfrm>
-            <a:off x="7093453" y="2046817"/>
+            <a:off x="7194758" y="1481351"/>
             <a:ext cx="1581601" cy="347951"/>
           </a:xfrm>
           <a:prstGeom prst="rect">
@@ -8128,8 +8193,8 @@
         </p:nvSpPr>
         <p:spPr>
           <a:xfrm>
-            <a:off x="7048454" y="2271750"/>
-            <a:ext cx="1671600" cy="861031"/>
+            <a:off x="7149758" y="1764172"/>
+            <a:ext cx="1671600" cy="1912591"/>
           </a:xfrm>
           <a:prstGeom prst="rect">
             <a:avLst/>
@@ -8194,6 +8259,34 @@
                 <a:sym typeface="Titillium Web"/>
               </a:defRPr>
             </a:pPr>
+            <a:r>
+              <a:t>Trovare informazioni aggiornate senza dover cercare attivamente.</a:t>
+            </a:r>
+          </a:p>
+          <a:p>
+            <a:pPr marL="171450" indent="-171450">
+              <a:lnSpc>
+                <a:spcPct val="115000"/>
+              </a:lnSpc>
+              <a:buClr>
+                <a:srgbClr val="000000"/>
+              </a:buClr>
+              <a:buSzPts val="1000"/>
+              <a:buFont typeface="Arial"/>
+              <a:buChar char="•"/>
+              <a:defRPr b="1" sz="1000">
+                <a:solidFill>
+                  <a:srgbClr val="434343"/>
+                </a:solidFill>
+                <a:latin typeface="Titillium Web"/>
+                <a:ea typeface="Titillium Web"/>
+                <a:cs typeface="Titillium Web"/>
+                <a:sym typeface="Titillium Web"/>
+              </a:defRPr>
+            </a:pPr>
+            <a:r>
+              <a:t>Comprensione di termini e statistiche calcistiche meno comuni.</a:t>
+            </a:r>
           </a:p>
         </p:txBody>
       </p:sp>
@@ -8205,8 +8298,8 @@
         </p:nvSpPr>
         <p:spPr>
           <a:xfrm>
-            <a:off x="5314977" y="1548820"/>
-            <a:ext cx="1671600" cy="1290291"/>
+            <a:off x="5299783" y="1493523"/>
+            <a:ext cx="1671600" cy="3248631"/>
           </a:xfrm>
           <a:prstGeom prst="rect">
             <a:avLst/>
@@ -8271,6 +8364,81 @@
             <a:r>
               <a:t>Informazioni chiare e sintetiche sui giocatori e partite.</a:t>
             </a:r>
+          </a:p>
+          <a:p>
+            <a:pPr marL="171450" indent="-171450">
+              <a:lnSpc>
+                <a:spcPct val="115000"/>
+              </a:lnSpc>
+              <a:spcBef>
+                <a:spcPts val="1000"/>
+              </a:spcBef>
+              <a:buClr>
+                <a:srgbClr val="434343"/>
+              </a:buClr>
+              <a:buSzPts val="1000"/>
+              <a:buFont typeface="Arial"/>
+              <a:buChar char="•"/>
+              <a:defRPr b="1" sz="1000">
+                <a:solidFill>
+                  <a:srgbClr val="434343"/>
+                </a:solidFill>
+                <a:latin typeface="Titillium Web"/>
+                <a:ea typeface="Titillium Web"/>
+                <a:cs typeface="Titillium Web"/>
+                <a:sym typeface="Titillium Web"/>
+              </a:defRPr>
+            </a:pPr>
+            <a:r>
+              <a:t>Aggiornamenti e notifiche su eventi importanti o partite imminenti.</a:t>
+            </a:r>
+          </a:p>
+          <a:p>
+            <a:pPr marL="171450" indent="-171450">
+              <a:lnSpc>
+                <a:spcPct val="115000"/>
+              </a:lnSpc>
+              <a:spcBef>
+                <a:spcPts val="1000"/>
+              </a:spcBef>
+              <a:buClr>
+                <a:srgbClr val="434343"/>
+              </a:buClr>
+              <a:buSzPts val="1000"/>
+              <a:buFont typeface="Arial"/>
+              <a:buChar char="•"/>
+              <a:defRPr b="1" sz="1000">
+                <a:solidFill>
+                  <a:srgbClr val="434343"/>
+                </a:solidFill>
+                <a:latin typeface="Titillium Web"/>
+                <a:ea typeface="Titillium Web"/>
+                <a:cs typeface="Titillium Web"/>
+                <a:sym typeface="Titillium Web"/>
+              </a:defRPr>
+            </a:pPr>
+            <a:r>
+              <a:t>Sezione FAQ per comprendere meglio termini tecnici e regole del calcio.</a:t>
+            </a:r>
+          </a:p>
+          <a:p>
+            <a:pPr>
+              <a:lnSpc>
+                <a:spcPct val="115000"/>
+              </a:lnSpc>
+              <a:spcBef>
+                <a:spcPts val="1000"/>
+              </a:spcBef>
+              <a:defRPr b="1" sz="1000">
+                <a:solidFill>
+                  <a:srgbClr val="434343"/>
+                </a:solidFill>
+                <a:latin typeface="Titillium Web"/>
+                <a:ea typeface="Titillium Web"/>
+                <a:cs typeface="Titillium Web"/>
+                <a:sym typeface="Titillium Web"/>
+              </a:defRPr>
+            </a:pPr>
           </a:p>
         </p:txBody>
       </p:sp>
@@ -9714,7 +9882,7 @@
         </p:nvSpPr>
         <p:spPr>
           <a:xfrm>
-            <a:off x="5377250" y="2447625"/>
+            <a:off x="5341007" y="1648737"/>
             <a:ext cx="1581601" cy="347951"/>
           </a:xfrm>
           <a:prstGeom prst="rect">
@@ -9877,7 +10045,7 @@
         </p:nvSpPr>
         <p:spPr>
           <a:xfrm>
-            <a:off x="7093463" y="2447625"/>
+            <a:off x="7057220" y="1648737"/>
             <a:ext cx="1581601" cy="347951"/>
           </a:xfrm>
           <a:prstGeom prst="rect">
@@ -9925,8 +10093,8 @@
         </p:nvSpPr>
         <p:spPr>
           <a:xfrm>
-            <a:off x="7093453" y="2777300"/>
-            <a:ext cx="1671600" cy="510511"/>
+            <a:off x="7057211" y="1978412"/>
+            <a:ext cx="1671599" cy="1912591"/>
           </a:xfrm>
           <a:prstGeom prst="rect">
             <a:avLst/>
@@ -9944,8 +10112,9 @@
           <a:bodyPr lIns="91424" tIns="91424" rIns="91424" bIns="91424">
             <a:spAutoFit/>
           </a:bodyPr>
-          <a:lstStyle>
-            <a:lvl1pPr marL="100799" indent="-113898">
+          <a:lstStyle/>
+          <a:p>
+            <a:pPr marL="100799" indent="-113898">
               <a:lnSpc>
                 <a:spcPct val="115000"/>
               </a:lnSpc>
@@ -9964,45 +10133,13 @@
                 <a:cs typeface="Titillium Web"/>
                 <a:sym typeface="Titillium Web"/>
               </a:defRPr>
-            </a:lvl1pPr>
-          </a:lstStyle>
-          <a:p>
-            <a:pPr/>
-            <a:r>
-              <a:t>Trovare un sito che integri video e analisi. </a:t>
-            </a:r>
-          </a:p>
-        </p:txBody>
-      </p:sp>
-      <p:sp>
-        <p:nvSpPr>
-          <p:cNvPr id="336" name="Google Shape;213;p29"/>
-          <p:cNvSpPr txBox="1"/>
-          <p:nvPr/>
-        </p:nvSpPr>
-        <p:spPr>
-          <a:xfrm>
-            <a:off x="5377250" y="2777300"/>
-            <a:ext cx="1671600" cy="685771"/>
-          </a:xfrm>
-          <a:prstGeom prst="rect">
-            <a:avLst/>
-          </a:prstGeom>
-          <a:ln w="12700">
-            <a:miter lim="400000"/>
-          </a:ln>
-          <a:extLst>
-            <a:ext uri="{C572A759-6A51-4108-AA02-DFA0A04FC94B}">
-              <ma14:wrappingTextBoxFlag xmlns:ma14="http://schemas.microsoft.com/office/mac/drawingml/2011/main" val="1"/>
-            </a:ext>
-          </a:extLst>
-        </p:spPr>
-        <p:txBody>
-          <a:bodyPr lIns="91424" tIns="91424" rIns="91424" bIns="91424">
-            <a:spAutoFit/>
-          </a:bodyPr>
-          <a:lstStyle>
-            <a:lvl1pPr marL="100799" indent="-113898">
+            </a:pPr>
+            <a:r>
+              <a:t>Trovare un sito che integri video e analisi.</a:t>
+            </a:r>
+          </a:p>
+          <a:p>
+            <a:pPr marL="100799" indent="-113898">
               <a:lnSpc>
                 <a:spcPct val="115000"/>
               </a:lnSpc>
@@ -10021,12 +10158,139 @@
                 <a:cs typeface="Titillium Web"/>
                 <a:sym typeface="Titillium Web"/>
               </a:defRPr>
-            </a:lvl1pPr>
-          </a:lstStyle>
-          <a:p>
-            <a:pPr/>
-            <a:r>
-              <a:t>Video e analisi per migliorare le tecniche di gioco. </a:t>
+            </a:pPr>
+            <a:r>
+              <a:t>Collegare le statistiche a miglioramenti pratici sul campo.</a:t>
+            </a:r>
+          </a:p>
+          <a:p>
+            <a:pPr marL="100799" indent="-113898">
+              <a:lnSpc>
+                <a:spcPct val="115000"/>
+              </a:lnSpc>
+              <a:buClr>
+                <a:srgbClr val="434343"/>
+              </a:buClr>
+              <a:buSzPts val="1000"/>
+              <a:buFont typeface="Helvetica"/>
+              <a:buChar char="●"/>
+              <a:defRPr b="1" sz="1000">
+                <a:solidFill>
+                  <a:srgbClr val="434343"/>
+                </a:solidFill>
+                <a:latin typeface="Titillium Web"/>
+                <a:ea typeface="Titillium Web"/>
+                <a:cs typeface="Titillium Web"/>
+                <a:sym typeface="Titillium Web"/>
+              </a:defRPr>
+            </a:pPr>
+            <a:r>
+              <a:t>Mancanza di una guida o consigli diretti per l'applicazione delle statistiche nel suo allenamento.</a:t>
+            </a:r>
+          </a:p>
+        </p:txBody>
+      </p:sp>
+      <p:sp>
+        <p:nvSpPr>
+          <p:cNvPr id="336" name="Google Shape;213;p29"/>
+          <p:cNvSpPr txBox="1"/>
+          <p:nvPr/>
+        </p:nvSpPr>
+        <p:spPr>
+          <a:xfrm>
+            <a:off x="5203400" y="1987409"/>
+            <a:ext cx="1671600" cy="2087851"/>
+          </a:xfrm>
+          <a:prstGeom prst="rect">
+            <a:avLst/>
+          </a:prstGeom>
+          <a:ln w="12700">
+            <a:miter lim="400000"/>
+          </a:ln>
+          <a:extLst>
+            <a:ext uri="{C572A759-6A51-4108-AA02-DFA0A04FC94B}">
+              <ma14:wrappingTextBoxFlag xmlns:ma14="http://schemas.microsoft.com/office/mac/drawingml/2011/main" val="1"/>
+            </a:ext>
+          </a:extLst>
+        </p:spPr>
+        <p:txBody>
+          <a:bodyPr lIns="91424" tIns="91424" rIns="91424" bIns="91424">
+            <a:spAutoFit/>
+          </a:bodyPr>
+          <a:lstStyle/>
+          <a:p>
+            <a:pPr marL="100799" indent="-113898">
+              <a:lnSpc>
+                <a:spcPct val="115000"/>
+              </a:lnSpc>
+              <a:buClr>
+                <a:srgbClr val="434343"/>
+              </a:buClr>
+              <a:buSzPts val="1000"/>
+              <a:buFont typeface="Helvetica"/>
+              <a:buChar char="●"/>
+              <a:defRPr b="1" sz="1000">
+                <a:solidFill>
+                  <a:srgbClr val="434343"/>
+                </a:solidFill>
+                <a:latin typeface="Titillium Web"/>
+                <a:ea typeface="Titillium Web"/>
+                <a:cs typeface="Titillium Web"/>
+                <a:sym typeface="Titillium Web"/>
+              </a:defRPr>
+            </a:pPr>
+            <a:r>
+              <a:t>Video e analisi per migliorare le tecniche di gioco.</a:t>
+            </a:r>
+          </a:p>
+          <a:p>
+            <a:pPr marL="100799" indent="-113898">
+              <a:lnSpc>
+                <a:spcPct val="115000"/>
+              </a:lnSpc>
+              <a:buClr>
+                <a:srgbClr val="434343"/>
+              </a:buClr>
+              <a:buSzPts val="1000"/>
+              <a:buFont typeface="Helvetica"/>
+              <a:buChar char="●"/>
+              <a:defRPr b="1" sz="1000">
+                <a:solidFill>
+                  <a:srgbClr val="434343"/>
+                </a:solidFill>
+                <a:latin typeface="Titillium Web"/>
+                <a:ea typeface="Titillium Web"/>
+                <a:cs typeface="Titillium Web"/>
+                <a:sym typeface="Titillium Web"/>
+              </a:defRPr>
+            </a:pPr>
+            <a:r>
+              <a:t>Consigli pratici su come applicare le statistiche per migliorare il gioco personale.</a:t>
+            </a:r>
+          </a:p>
+          <a:p>
+            <a:pPr marL="100799" indent="-113898">
+              <a:lnSpc>
+                <a:spcPct val="115000"/>
+              </a:lnSpc>
+              <a:buClr>
+                <a:srgbClr val="434343"/>
+              </a:buClr>
+              <a:buSzPts val="1000"/>
+              <a:buFont typeface="Helvetica"/>
+              <a:buChar char="●"/>
+              <a:defRPr b="1" sz="1000">
+                <a:solidFill>
+                  <a:srgbClr val="434343"/>
+                </a:solidFill>
+                <a:latin typeface="Titillium Web"/>
+                <a:ea typeface="Titillium Web"/>
+                <a:cs typeface="Titillium Web"/>
+                <a:sym typeface="Titillium Web"/>
+              </a:defRPr>
+            </a:pPr>
+            <a:r>
+              <a:t>Sezioni dedicate a strategie di gioco e formazioni.</a:t>
             </a:r>
           </a:p>
         </p:txBody>
